--- a/instructions/FastQC.pptx
+++ b/instructions/FastQC.pptx
@@ -112,6 +112,11 @@
       </a:defRPr>
     </a:lvl9pPr>
   </p:defaultTextStyle>
+  <p:extLst>
+    <p:ext uri="{EFAFB233-063F-42B5-8137-9DF3F51BA10A}">
+      <p15:sldGuideLst xmlns:p15="http://schemas.microsoft.com/office/powerpoint/2012/main"/>
+    </p:ext>
+  </p:extLst>
 </p:presentation>
 </file>
 
@@ -246,7 +251,7 @@
           <a:p>
             <a:fld id="{1CE47332-3B8D-754A-8775-84FD30939A86}" type="datetimeFigureOut">
               <a:rPr lang="en-CH" smtClean="0"/>
-              <a:t>01.03.23</a:t>
+              <a:t>25.03.23</a:t>
             </a:fld>
             <a:endParaRPr lang="en-CH"/>
           </a:p>
@@ -444,7 +449,7 @@
           <a:p>
             <a:fld id="{1CE47332-3B8D-754A-8775-84FD30939A86}" type="datetimeFigureOut">
               <a:rPr lang="en-CH" smtClean="0"/>
-              <a:t>01.03.23</a:t>
+              <a:t>25.03.23</a:t>
             </a:fld>
             <a:endParaRPr lang="en-CH"/>
           </a:p>
@@ -624,7 +629,7 @@
           <a:p>
             <a:fld id="{1CE47332-3B8D-754A-8775-84FD30939A86}" type="datetimeFigureOut">
               <a:rPr lang="en-CH" smtClean="0"/>
-              <a:t>01.03.23</a:t>
+              <a:t>25.03.23</a:t>
             </a:fld>
             <a:endParaRPr lang="en-CH"/>
           </a:p>
@@ -794,7 +799,7 @@
           <a:p>
             <a:fld id="{1CE47332-3B8D-754A-8775-84FD30939A86}" type="datetimeFigureOut">
               <a:rPr lang="en-CH" smtClean="0"/>
-              <a:t>01.03.23</a:t>
+              <a:t>25.03.23</a:t>
             </a:fld>
             <a:endParaRPr lang="en-CH"/>
           </a:p>
@@ -1066,7 +1071,7 @@
           <a:p>
             <a:fld id="{1CE47332-3B8D-754A-8775-84FD30939A86}" type="datetimeFigureOut">
               <a:rPr lang="en-CH" smtClean="0"/>
-              <a:t>01.03.23</a:t>
+              <a:t>25.03.23</a:t>
             </a:fld>
             <a:endParaRPr lang="en-CH"/>
           </a:p>
@@ -1298,7 +1303,7 @@
           <a:p>
             <a:fld id="{1CE47332-3B8D-754A-8775-84FD30939A86}" type="datetimeFigureOut">
               <a:rPr lang="en-CH" smtClean="0"/>
-              <a:t>01.03.23</a:t>
+              <a:t>25.03.23</a:t>
             </a:fld>
             <a:endParaRPr lang="en-CH"/>
           </a:p>
@@ -1665,7 +1670,7 @@
           <a:p>
             <a:fld id="{1CE47332-3B8D-754A-8775-84FD30939A86}" type="datetimeFigureOut">
               <a:rPr lang="en-CH" smtClean="0"/>
-              <a:t>01.03.23</a:t>
+              <a:t>25.03.23</a:t>
             </a:fld>
             <a:endParaRPr lang="en-CH"/>
           </a:p>
@@ -1783,7 +1788,7 @@
           <a:p>
             <a:fld id="{1CE47332-3B8D-754A-8775-84FD30939A86}" type="datetimeFigureOut">
               <a:rPr lang="en-CH" smtClean="0"/>
-              <a:t>01.03.23</a:t>
+              <a:t>25.03.23</a:t>
             </a:fld>
             <a:endParaRPr lang="en-CH"/>
           </a:p>
@@ -1878,7 +1883,7 @@
           <a:p>
             <a:fld id="{1CE47332-3B8D-754A-8775-84FD30939A86}" type="datetimeFigureOut">
               <a:rPr lang="en-CH" smtClean="0"/>
-              <a:t>01.03.23</a:t>
+              <a:t>25.03.23</a:t>
             </a:fld>
             <a:endParaRPr lang="en-CH"/>
           </a:p>
@@ -2155,7 +2160,7 @@
           <a:p>
             <a:fld id="{1CE47332-3B8D-754A-8775-84FD30939A86}" type="datetimeFigureOut">
               <a:rPr lang="en-CH" smtClean="0"/>
-              <a:t>01.03.23</a:t>
+              <a:t>25.03.23</a:t>
             </a:fld>
             <a:endParaRPr lang="en-CH"/>
           </a:p>
@@ -2412,7 +2417,7 @@
           <a:p>
             <a:fld id="{1CE47332-3B8D-754A-8775-84FD30939A86}" type="datetimeFigureOut">
               <a:rPr lang="en-CH" smtClean="0"/>
-              <a:t>01.03.23</a:t>
+              <a:t>25.03.23</a:t>
             </a:fld>
             <a:endParaRPr lang="en-CH"/>
           </a:p>
@@ -2625,7 +2630,7 @@
           <a:p>
             <a:fld id="{1CE47332-3B8D-754A-8775-84FD30939A86}" type="datetimeFigureOut">
               <a:rPr lang="en-CH" smtClean="0"/>
-              <a:t>01.03.23</a:t>
+              <a:t>25.03.23</a:t>
             </a:fld>
             <a:endParaRPr lang="en-CH"/>
           </a:p>
@@ -3193,7 +3198,7 @@
             </a:r>
             <a:r>
               <a:rPr lang="en-CH" sz="3300" b="1" dirty="0"/>
-              <a:t>YourData_March2023 </a:t>
+              <a:t>p29934_March2023 </a:t>
             </a:r>
             <a:r>
               <a:rPr lang="en-CH" dirty="0"/>
@@ -4289,6 +4294,82 @@
           </a:p>
         </p:txBody>
       </p:sp>
+      <p:sp>
+        <p:nvSpPr>
+          <p:cNvPr id="6" name="TextBox 5">
+            <a:extLst>
+              <a:ext uri="{FF2B5EF4-FFF2-40B4-BE49-F238E27FC236}">
+                <a16:creationId xmlns:a16="http://schemas.microsoft.com/office/drawing/2014/main" id="{9BA21E08-5407-28C6-24E3-063435CC717E}"/>
+              </a:ext>
+            </a:extLst>
+          </p:cNvPr>
+          <p:cNvSpPr txBox="1"/>
+          <p:nvPr/>
+        </p:nvSpPr>
+        <p:spPr>
+          <a:xfrm>
+            <a:off x="1343025" y="5554131"/>
+            <a:ext cx="3743325" cy="923330"/>
+          </a:xfrm>
+          <a:prstGeom prst="rect">
+            <a:avLst/>
+          </a:prstGeom>
+          <a:noFill/>
+        </p:spPr>
+        <p:txBody>
+          <a:bodyPr wrap="square" rtlCol="0">
+            <a:spAutoFit/>
+          </a:bodyPr>
+          <a:lstStyle/>
+          <a:p>
+            <a:r>
+              <a:rPr lang="en-CH" dirty="0"/>
+              <a:t>It should automatically select whether the reads are paired end or not but make sure its correct</a:t>
+            </a:r>
+          </a:p>
+        </p:txBody>
+      </p:sp>
+      <p:cxnSp>
+        <p:nvCxnSpPr>
+          <p:cNvPr id="10" name="Straight Arrow Connector 9">
+            <a:extLst>
+              <a:ext uri="{FF2B5EF4-FFF2-40B4-BE49-F238E27FC236}">
+                <a16:creationId xmlns:a16="http://schemas.microsoft.com/office/drawing/2014/main" id="{43CFB4A4-3A6B-79C7-E8F7-F4A3B593C44F}"/>
+              </a:ext>
+            </a:extLst>
+          </p:cNvPr>
+          <p:cNvCxnSpPr>
+            <a:cxnSpLocks/>
+          </p:cNvCxnSpPr>
+          <p:nvPr/>
+        </p:nvCxnSpPr>
+        <p:spPr>
+          <a:xfrm flipH="1" flipV="1">
+            <a:off x="1882044" y="4543425"/>
+            <a:ext cx="1947006" cy="946946"/>
+          </a:xfrm>
+          <a:prstGeom prst="straightConnector1">
+            <a:avLst/>
+          </a:prstGeom>
+          <a:ln>
+            <a:tailEnd type="triangle"/>
+          </a:ln>
+        </p:spPr>
+        <p:style>
+          <a:lnRef idx="1">
+            <a:schemeClr val="accent1"/>
+          </a:lnRef>
+          <a:fillRef idx="0">
+            <a:schemeClr val="accent1"/>
+          </a:fillRef>
+          <a:effectRef idx="0">
+            <a:schemeClr val="accent1"/>
+          </a:effectRef>
+          <a:fontRef idx="minor">
+            <a:schemeClr val="tx1"/>
+          </a:fontRef>
+        </p:style>
+      </p:cxnSp>
     </p:spTree>
     <p:extLst>
       <p:ext uri="{BB962C8B-B14F-4D97-AF65-F5344CB8AC3E}">
@@ -4911,7 +4992,7 @@
         <p:spPr>
           <a:xfrm>
             <a:off x="205280" y="3543300"/>
-            <a:ext cx="2757805" cy="594360"/>
+            <a:ext cx="2757805" cy="1723549"/>
           </a:xfrm>
           <a:prstGeom prst="rect">
             <a:avLst/>
@@ -4938,11 +5019,242 @@
               </a:tabLst>
             </a:pPr>
             <a:r>
+              <a:rPr lang="de-CH" sz="1900" dirty="0" err="1">
+                <a:latin typeface="Times New Roman"/>
+                <a:cs typeface="Times New Roman"/>
+              </a:rPr>
+              <a:t>If</a:t>
+            </a:r>
+            <a:r>
+              <a:rPr lang="de-CH" sz="1900" dirty="0">
+                <a:latin typeface="Times New Roman"/>
+                <a:cs typeface="Times New Roman"/>
+              </a:rPr>
+              <a:t> </a:t>
+            </a:r>
+            <a:r>
+              <a:rPr lang="de-CH" sz="1900" dirty="0" err="1">
+                <a:latin typeface="Times New Roman"/>
+                <a:cs typeface="Times New Roman"/>
+              </a:rPr>
+              <a:t>you</a:t>
+            </a:r>
+            <a:r>
+              <a:rPr lang="de-CH" sz="1900" dirty="0">
+                <a:latin typeface="Times New Roman"/>
+                <a:cs typeface="Times New Roman"/>
+              </a:rPr>
+              <a:t> </a:t>
+            </a:r>
+            <a:r>
+              <a:rPr lang="de-CH" sz="1900" dirty="0" err="1">
+                <a:latin typeface="Times New Roman"/>
+                <a:cs typeface="Times New Roman"/>
+              </a:rPr>
+              <a:t>think</a:t>
+            </a:r>
+            <a:r>
+              <a:rPr lang="de-CH" sz="1900" dirty="0">
+                <a:latin typeface="Times New Roman"/>
+                <a:cs typeface="Times New Roman"/>
+              </a:rPr>
+              <a:t> </a:t>
+            </a:r>
+            <a:r>
+              <a:rPr lang="de-CH" sz="1900" dirty="0" err="1">
+                <a:latin typeface="Times New Roman"/>
+                <a:cs typeface="Times New Roman"/>
+              </a:rPr>
+              <a:t>the</a:t>
+            </a:r>
+            <a:r>
+              <a:rPr lang="de-CH" sz="1900" dirty="0">
+                <a:latin typeface="Times New Roman"/>
+                <a:cs typeface="Times New Roman"/>
+              </a:rPr>
+              <a:t> </a:t>
+            </a:r>
+            <a:r>
+              <a:rPr lang="de-CH" sz="1900" dirty="0" err="1">
+                <a:latin typeface="Times New Roman"/>
+                <a:cs typeface="Times New Roman"/>
+              </a:rPr>
+              <a:t>dataset</a:t>
+            </a:r>
+            <a:r>
+              <a:rPr lang="de-CH" sz="1900" dirty="0">
+                <a:latin typeface="Times New Roman"/>
+                <a:cs typeface="Times New Roman"/>
+              </a:rPr>
+              <a:t> </a:t>
+            </a:r>
+            <a:r>
+              <a:rPr lang="de-CH" sz="1900" dirty="0" err="1">
+                <a:latin typeface="Times New Roman"/>
+                <a:cs typeface="Times New Roman"/>
+              </a:rPr>
+              <a:t>is</a:t>
+            </a:r>
+            <a:r>
+              <a:rPr lang="de-CH" sz="1900" dirty="0">
+                <a:latin typeface="Times New Roman"/>
+                <a:cs typeface="Times New Roman"/>
+              </a:rPr>
+              <a:t> not </a:t>
+            </a:r>
+            <a:r>
+              <a:rPr lang="de-CH" sz="1900" dirty="0" err="1">
+                <a:latin typeface="Times New Roman"/>
+                <a:cs typeface="Times New Roman"/>
+              </a:rPr>
+              <a:t>of</a:t>
+            </a:r>
+            <a:r>
+              <a:rPr lang="de-CH" sz="1900" dirty="0">
+                <a:latin typeface="Times New Roman"/>
+                <a:cs typeface="Times New Roman"/>
+              </a:rPr>
+              <a:t> </a:t>
+            </a:r>
+            <a:r>
+              <a:rPr lang="de-CH" sz="1900" dirty="0" err="1">
+                <a:latin typeface="Times New Roman"/>
+                <a:cs typeface="Times New Roman"/>
+              </a:rPr>
+              <a:t>good</a:t>
+            </a:r>
+            <a:r>
+              <a:rPr lang="de-CH" sz="1900" dirty="0">
+                <a:latin typeface="Times New Roman"/>
+                <a:cs typeface="Times New Roman"/>
+              </a:rPr>
+              <a:t> </a:t>
+            </a:r>
+            <a:r>
+              <a:rPr lang="de-CH" sz="1900" dirty="0" err="1">
+                <a:latin typeface="Times New Roman"/>
+                <a:cs typeface="Times New Roman"/>
+              </a:rPr>
+              <a:t>quality</a:t>
+            </a:r>
+            <a:r>
+              <a:rPr lang="de-CH" sz="1900" dirty="0">
+                <a:latin typeface="Times New Roman"/>
+                <a:cs typeface="Times New Roman"/>
+              </a:rPr>
+              <a:t> at </a:t>
+            </a:r>
+            <a:r>
+              <a:rPr lang="de-CH" sz="1900" dirty="0" err="1">
+                <a:latin typeface="Times New Roman"/>
+                <a:cs typeface="Times New Roman"/>
+              </a:rPr>
+              <a:t>the</a:t>
+            </a:r>
+            <a:r>
+              <a:rPr lang="de-CH" sz="1900" dirty="0">
+                <a:latin typeface="Times New Roman"/>
+                <a:cs typeface="Times New Roman"/>
+              </a:rPr>
+              <a:t> </a:t>
+            </a:r>
+            <a:r>
+              <a:rPr lang="de-CH" sz="1900" dirty="0" err="1">
+                <a:latin typeface="Times New Roman"/>
+                <a:cs typeface="Times New Roman"/>
+              </a:rPr>
+              <a:t>ends</a:t>
+            </a:r>
+            <a:r>
+              <a:rPr lang="de-CH" sz="1900" dirty="0">
+                <a:latin typeface="Times New Roman"/>
+                <a:cs typeface="Times New Roman"/>
+              </a:rPr>
+              <a:t> </a:t>
+            </a:r>
+            <a:r>
+              <a:rPr lang="de-CH" sz="1900" dirty="0" err="1">
+                <a:latin typeface="Times New Roman"/>
+                <a:cs typeface="Times New Roman"/>
+              </a:rPr>
+              <a:t>or</a:t>
+            </a:r>
+            <a:r>
+              <a:rPr lang="de-CH" sz="1900" dirty="0">
+                <a:latin typeface="Times New Roman"/>
+                <a:cs typeface="Times New Roman"/>
+              </a:rPr>
+              <a:t> not </a:t>
+            </a:r>
+            <a:r>
+              <a:rPr lang="de-CH" sz="1900" dirty="0" err="1">
+                <a:latin typeface="Times New Roman"/>
+                <a:cs typeface="Times New Roman"/>
+              </a:rPr>
+              <a:t>overally</a:t>
+            </a:r>
+            <a:r>
+              <a:rPr lang="de-CH" sz="1900" dirty="0">
+                <a:latin typeface="Times New Roman"/>
+                <a:cs typeface="Times New Roman"/>
+              </a:rPr>
+              <a:t> </a:t>
+            </a:r>
+            <a:r>
+              <a:rPr lang="de-CH" sz="1900" dirty="0" err="1">
+                <a:latin typeface="Times New Roman"/>
+                <a:cs typeface="Times New Roman"/>
+              </a:rPr>
+              <a:t>across</a:t>
+            </a:r>
+            <a:r>
+              <a:rPr lang="de-CH" sz="1900" dirty="0">
+                <a:latin typeface="Times New Roman"/>
+                <a:cs typeface="Times New Roman"/>
+              </a:rPr>
+              <a:t> all </a:t>
+            </a:r>
+            <a:r>
+              <a:rPr lang="de-CH" sz="1900" dirty="0" err="1">
+                <a:latin typeface="Times New Roman"/>
+                <a:cs typeface="Times New Roman"/>
+              </a:rPr>
+              <a:t>the</a:t>
+            </a:r>
+            <a:r>
+              <a:rPr lang="de-CH" sz="1900" dirty="0">
+                <a:latin typeface="Times New Roman"/>
+                <a:cs typeface="Times New Roman"/>
+              </a:rPr>
+              <a:t> </a:t>
+            </a:r>
+            <a:r>
+              <a:rPr lang="de-CH" sz="1900" dirty="0" err="1">
+                <a:latin typeface="Times New Roman"/>
+                <a:cs typeface="Times New Roman"/>
+              </a:rPr>
+              <a:t>reads</a:t>
+            </a:r>
+            <a:r>
+              <a:rPr lang="de-CH" sz="1900" dirty="0">
+                <a:latin typeface="Times New Roman"/>
+                <a:cs typeface="Times New Roman"/>
+              </a:rPr>
+              <a:t>, </a:t>
+            </a:r>
+            <a:r>
+              <a:rPr lang="de-CH" sz="1900" dirty="0" err="1">
+                <a:latin typeface="Times New Roman"/>
+                <a:cs typeface="Times New Roman"/>
+              </a:rPr>
+              <a:t>r</a:t>
+            </a:r>
+            <a:r>
               <a:rPr sz="1900" dirty="0">
                 <a:latin typeface="Times New Roman"/>
                 <a:cs typeface="Times New Roman"/>
               </a:rPr>
-              <a:t>Run</a:t>
+              <a:t>un</a:t>
             </a:r>
             <a:r>
               <a:rPr sz="1900" spc="-90" dirty="0">
@@ -5195,6 +5507,41 @@
           </a:p>
         </p:txBody>
       </p:sp>
+      <p:sp>
+        <p:nvSpPr>
+          <p:cNvPr id="2" name="TextBox 1">
+            <a:extLst>
+              <a:ext uri="{FF2B5EF4-FFF2-40B4-BE49-F238E27FC236}">
+                <a16:creationId xmlns:a16="http://schemas.microsoft.com/office/drawing/2014/main" id="{D208B78A-9A50-801E-F104-12328058E89C}"/>
+              </a:ext>
+            </a:extLst>
+          </p:cNvPr>
+          <p:cNvSpPr txBox="1"/>
+          <p:nvPr/>
+        </p:nvSpPr>
+        <p:spPr>
+          <a:xfrm>
+            <a:off x="5463572" y="5983239"/>
+            <a:ext cx="2939074" cy="369332"/>
+          </a:xfrm>
+          <a:prstGeom prst="rect">
+            <a:avLst/>
+          </a:prstGeom>
+          <a:noFill/>
+        </p:spPr>
+        <p:txBody>
+          <a:bodyPr wrap="none" rtlCol="0">
+            <a:spAutoFit/>
+          </a:bodyPr>
+          <a:lstStyle/>
+          <a:p>
+            <a:r>
+              <a:rPr lang="en-CH" dirty="0"/>
+              <a:t>See next page for parameters</a:t>
+            </a:r>
+          </a:p>
+        </p:txBody>
+      </p:sp>
     </p:spTree>
   </p:cSld>
   <p:clrMapOvr>
@@ -5352,7 +5699,7 @@
             </a:pPr>
             <a:r>
               <a:rPr lang="en-US" sz="1100" dirty="0"/>
-              <a:t>Leading: how many bases from the front if they don’t meet quality threshold</a:t>
+              <a:t>Leading: cut how many bases from the front if they don’t meet quality threshold</a:t>
             </a:r>
           </a:p>
           <a:p>
@@ -5368,7 +5715,7 @@
             </a:pPr>
             <a:r>
               <a:rPr lang="en-US" sz="1100" dirty="0"/>
-              <a:t>Trailing: How many bases from the back if they don’t meet quality threshold</a:t>
+              <a:t>Trailing: cut how many bases from the back if they don’t meet quality threshold</a:t>
             </a:r>
           </a:p>
           <a:p>
@@ -5384,7 +5731,7 @@
             </a:pPr>
             <a:r>
               <a:rPr lang="en-US" sz="1100" dirty="0"/>
-              <a:t>Sliding window how many base pairs: what quality</a:t>
+              <a:t>Sliding window windows of how many base pairs: what quality needs to be met</a:t>
             </a:r>
           </a:p>
           <a:p>
@@ -5471,7 +5818,7 @@
         </p:blipFill>
         <p:spPr>
           <a:xfrm>
-            <a:off x="683715" y="3544748"/>
+            <a:off x="4629466" y="3198390"/>
             <a:ext cx="3325091" cy="3291840"/>
           </a:xfrm>
           <a:prstGeom prst="rect">
@@ -5501,7 +5848,7 @@
         </p:blipFill>
         <p:spPr>
           <a:xfrm>
-            <a:off x="4932363" y="3703031"/>
+            <a:off x="237743" y="3084090"/>
             <a:ext cx="3730752" cy="2975274"/>
           </a:xfrm>
           <a:prstGeom prst="rect">
@@ -6043,56 +6390,13 @@
       </p:grpSp>
       <p:sp>
         <p:nvSpPr>
-          <p:cNvPr id="14" name="object 14"/>
-          <p:cNvSpPr txBox="1"/>
-          <p:nvPr/>
-        </p:nvSpPr>
-        <p:spPr>
-          <a:xfrm>
-            <a:off x="342900" y="3619500"/>
-            <a:ext cx="110489" cy="314960"/>
-          </a:xfrm>
-          <a:prstGeom prst="rect">
-            <a:avLst/>
-          </a:prstGeom>
-        </p:spPr>
-        <p:txBody>
-          <a:bodyPr vert="horz" wrap="square" lIns="0" tIns="12700" rIns="0" bIns="0" rtlCol="0">
-            <a:spAutoFit/>
-          </a:bodyPr>
-          <a:lstStyle/>
-          <a:p>
-            <a:pPr marL="12700">
-              <a:lnSpc>
-                <a:spcPct val="100000"/>
-              </a:lnSpc>
-              <a:spcBef>
-                <a:spcPts val="100"/>
-              </a:spcBef>
-            </a:pPr>
-            <a:r>
-              <a:rPr sz="1900" dirty="0">
-                <a:latin typeface="Arial"/>
-                <a:cs typeface="Arial"/>
-              </a:rPr>
-              <a:t>•</a:t>
-            </a:r>
-            <a:endParaRPr sz="1900">
-              <a:latin typeface="Arial"/>
-              <a:cs typeface="Arial"/>
-            </a:endParaRPr>
-          </a:p>
-        </p:txBody>
-      </p:sp>
-      <p:sp>
-        <p:nvSpPr>
           <p:cNvPr id="15" name="object 15"/>
           <p:cNvSpPr txBox="1"/>
           <p:nvPr/>
         </p:nvSpPr>
         <p:spPr>
           <a:xfrm>
-            <a:off x="601420" y="3662515"/>
+            <a:off x="601420" y="3934460"/>
             <a:ext cx="3034030" cy="877163"/>
           </a:xfrm>
           <a:prstGeom prst="rect">
@@ -6105,13 +6409,15 @@
           </a:bodyPr>
           <a:lstStyle/>
           <a:p>
-            <a:pPr marL="12700" marR="5080">
+            <a:pPr marL="355600" marR="5080" indent="-342900">
               <a:lnSpc>
                 <a:spcPts val="2200"/>
               </a:lnSpc>
               <a:spcBef>
                 <a:spcPts val="240"/>
               </a:spcBef>
+              <a:buFont typeface="Arial" panose="020B0604020202020204" pitchFamily="34" charset="0"/>
+              <a:buChar char="•"/>
             </a:pPr>
             <a:r>
               <a:rPr sz="1900" dirty="0">
@@ -6332,13 +6638,13 @@
         </p:nvSpPr>
         <p:spPr>
           <a:xfrm>
-            <a:off x="301796" y="3030205"/>
-            <a:ext cx="3609804" cy="975641"/>
+            <a:off x="601420" y="2920381"/>
+            <a:ext cx="3682209" cy="1085466"/>
           </a:xfrm>
         </p:spPr>
         <p:txBody>
           <a:bodyPr>
-            <a:normAutofit/>
+            <a:normAutofit lnSpcReduction="10000"/>
           </a:bodyPr>
           <a:lstStyle/>
           <a:p>
@@ -6347,7 +6653,7 @@
                 <a:latin typeface="Times New Roman" panose="02020603050405020304" pitchFamily="18" charset="0"/>
                 <a:cs typeface="Times New Roman" panose="02020603050405020304" pitchFamily="18" charset="0"/>
               </a:rPr>
-              <a:t>Scroll to the bottom of the page of the Trimmomatic dataset</a:t>
+              <a:t>Now that you have an edited datataset, scroll to the bottom of the page of the Trimmomatic dataset</a:t>
             </a:r>
           </a:p>
         </p:txBody>

--- a/instructions/FastQC.pptx
+++ b/instructions/FastQC.pptx
@@ -251,7 +251,7 @@
           <a:p>
             <a:fld id="{1CE47332-3B8D-754A-8775-84FD30939A86}" type="datetimeFigureOut">
               <a:rPr lang="en-CH" smtClean="0"/>
-              <a:t>25.03.23</a:t>
+              <a:t>27.03.23</a:t>
             </a:fld>
             <a:endParaRPr lang="en-CH"/>
           </a:p>
@@ -449,7 +449,7 @@
           <a:p>
             <a:fld id="{1CE47332-3B8D-754A-8775-84FD30939A86}" type="datetimeFigureOut">
               <a:rPr lang="en-CH" smtClean="0"/>
-              <a:t>25.03.23</a:t>
+              <a:t>27.03.23</a:t>
             </a:fld>
             <a:endParaRPr lang="en-CH"/>
           </a:p>
@@ -629,7 +629,7 @@
           <a:p>
             <a:fld id="{1CE47332-3B8D-754A-8775-84FD30939A86}" type="datetimeFigureOut">
               <a:rPr lang="en-CH" smtClean="0"/>
-              <a:t>25.03.23</a:t>
+              <a:t>27.03.23</a:t>
             </a:fld>
             <a:endParaRPr lang="en-CH"/>
           </a:p>
@@ -799,7 +799,7 @@
           <a:p>
             <a:fld id="{1CE47332-3B8D-754A-8775-84FD30939A86}" type="datetimeFigureOut">
               <a:rPr lang="en-CH" smtClean="0"/>
-              <a:t>25.03.23</a:t>
+              <a:t>27.03.23</a:t>
             </a:fld>
             <a:endParaRPr lang="en-CH"/>
           </a:p>
@@ -1071,7 +1071,7 @@
           <a:p>
             <a:fld id="{1CE47332-3B8D-754A-8775-84FD30939A86}" type="datetimeFigureOut">
               <a:rPr lang="en-CH" smtClean="0"/>
-              <a:t>25.03.23</a:t>
+              <a:t>27.03.23</a:t>
             </a:fld>
             <a:endParaRPr lang="en-CH"/>
           </a:p>
@@ -1303,7 +1303,7 @@
           <a:p>
             <a:fld id="{1CE47332-3B8D-754A-8775-84FD30939A86}" type="datetimeFigureOut">
               <a:rPr lang="en-CH" smtClean="0"/>
-              <a:t>25.03.23</a:t>
+              <a:t>27.03.23</a:t>
             </a:fld>
             <a:endParaRPr lang="en-CH"/>
           </a:p>
@@ -1670,7 +1670,7 @@
           <a:p>
             <a:fld id="{1CE47332-3B8D-754A-8775-84FD30939A86}" type="datetimeFigureOut">
               <a:rPr lang="en-CH" smtClean="0"/>
-              <a:t>25.03.23</a:t>
+              <a:t>27.03.23</a:t>
             </a:fld>
             <a:endParaRPr lang="en-CH"/>
           </a:p>
@@ -1788,7 +1788,7 @@
           <a:p>
             <a:fld id="{1CE47332-3B8D-754A-8775-84FD30939A86}" type="datetimeFigureOut">
               <a:rPr lang="en-CH" smtClean="0"/>
-              <a:t>25.03.23</a:t>
+              <a:t>27.03.23</a:t>
             </a:fld>
             <a:endParaRPr lang="en-CH"/>
           </a:p>
@@ -1883,7 +1883,7 @@
           <a:p>
             <a:fld id="{1CE47332-3B8D-754A-8775-84FD30939A86}" type="datetimeFigureOut">
               <a:rPr lang="en-CH" smtClean="0"/>
-              <a:t>25.03.23</a:t>
+              <a:t>27.03.23</a:t>
             </a:fld>
             <a:endParaRPr lang="en-CH"/>
           </a:p>
@@ -2160,7 +2160,7 @@
           <a:p>
             <a:fld id="{1CE47332-3B8D-754A-8775-84FD30939A86}" type="datetimeFigureOut">
               <a:rPr lang="en-CH" smtClean="0"/>
-              <a:t>25.03.23</a:t>
+              <a:t>27.03.23</a:t>
             </a:fld>
             <a:endParaRPr lang="en-CH"/>
           </a:p>
@@ -2417,7 +2417,7 @@
           <a:p>
             <a:fld id="{1CE47332-3B8D-754A-8775-84FD30939A86}" type="datetimeFigureOut">
               <a:rPr lang="en-CH" smtClean="0"/>
-              <a:t>25.03.23</a:t>
+              <a:t>27.03.23</a:t>
             </a:fld>
             <a:endParaRPr lang="en-CH"/>
           </a:p>
@@ -2630,7 +2630,7 @@
           <a:p>
             <a:fld id="{1CE47332-3B8D-754A-8775-84FD30939A86}" type="datetimeFigureOut">
               <a:rPr lang="en-CH" smtClean="0"/>
-              <a:t>25.03.23</a:t>
+              <a:t>27.03.23</a:t>
             </a:fld>
             <a:endParaRPr lang="en-CH"/>
           </a:p>
@@ -4370,6 +4370,47 @@
           </a:fontRef>
         </p:style>
       </p:cxnSp>
+      <p:sp>
+        <p:nvSpPr>
+          <p:cNvPr id="8" name="TextBox 7">
+            <a:extLst>
+              <a:ext uri="{FF2B5EF4-FFF2-40B4-BE49-F238E27FC236}">
+                <a16:creationId xmlns:a16="http://schemas.microsoft.com/office/drawing/2014/main" id="{53E3DB86-7D47-7C51-DC30-DE3759639E66}"/>
+              </a:ext>
+            </a:extLst>
+          </p:cNvPr>
+          <p:cNvSpPr txBox="1"/>
+          <p:nvPr/>
+        </p:nvSpPr>
+        <p:spPr>
+          <a:xfrm>
+            <a:off x="4439467" y="1997670"/>
+            <a:ext cx="3743325" cy="646331"/>
+          </a:xfrm>
+          <a:prstGeom prst="rect">
+            <a:avLst/>
+          </a:prstGeom>
+          <a:noFill/>
+        </p:spPr>
+        <p:txBody>
+          <a:bodyPr wrap="square" rtlCol="0">
+            <a:spAutoFit/>
+          </a:bodyPr>
+          <a:lstStyle/>
+          <a:p>
+            <a:r>
+              <a:rPr lang="en-CH" dirty="0"/>
+              <a:t>RAM: 15 GB</a:t>
+            </a:r>
+          </a:p>
+          <a:p>
+            <a:r>
+              <a:rPr lang="en-CH" dirty="0"/>
+              <a:t>SCRATCH: 10 GB</a:t>
+            </a:r>
+          </a:p>
+        </p:txBody>
+      </p:sp>
     </p:spTree>
     <p:extLst>
       <p:ext uri="{BB962C8B-B14F-4D97-AF65-F5344CB8AC3E}">
@@ -5924,6 +5965,70 @@
           </a:prstGeom>
         </p:spPr>
       </p:pic>
+      <p:sp>
+        <p:nvSpPr>
+          <p:cNvPr id="7" name="TextBox 6">
+            <a:extLst>
+              <a:ext uri="{FF2B5EF4-FFF2-40B4-BE49-F238E27FC236}">
+                <a16:creationId xmlns:a16="http://schemas.microsoft.com/office/drawing/2014/main" id="{471BBA9C-0BFA-DF16-130F-DF6DC8E55C57}"/>
+              </a:ext>
+            </a:extLst>
+          </p:cNvPr>
+          <p:cNvSpPr txBox="1"/>
+          <p:nvPr/>
+        </p:nvSpPr>
+        <p:spPr>
+          <a:xfrm>
+            <a:off x="2356829" y="4844310"/>
+            <a:ext cx="1400865" cy="711550"/>
+          </a:xfrm>
+          <a:prstGeom prst="rect">
+            <a:avLst/>
+          </a:prstGeom>
+        </p:spPr>
+        <p:txBody>
+          <a:bodyPr vert="horz" lIns="91440" tIns="45720" rIns="91440" bIns="45720" rtlCol="0" anchor="ctr">
+            <a:normAutofit/>
+          </a:bodyPr>
+          <a:lstStyle/>
+          <a:p>
+            <a:pPr defTabSz="914400">
+              <a:lnSpc>
+                <a:spcPct val="90000"/>
+              </a:lnSpc>
+              <a:spcAft>
+                <a:spcPts val="600"/>
+              </a:spcAft>
+            </a:pPr>
+            <a:r>
+              <a:rPr lang="en-US" sz="1100" dirty="0">
+                <a:solidFill>
+                  <a:srgbClr val="FF0000"/>
+                </a:solidFill>
+              </a:rPr>
+              <a:t>RAM : 15 GB</a:t>
+            </a:r>
+          </a:p>
+          <a:p>
+            <a:pPr defTabSz="914400">
+              <a:lnSpc>
+                <a:spcPct val="90000"/>
+              </a:lnSpc>
+              <a:spcAft>
+                <a:spcPts val="600"/>
+              </a:spcAft>
+            </a:pPr>
+            <a:r>
+              <a:rPr lang="en-US" sz="1100" dirty="0">
+                <a:solidFill>
+                  <a:srgbClr val="FF0000"/>
+                </a:solidFill>
+              </a:rPr>
+              <a:t>SCRATCH: 15 GB</a:t>
+            </a:r>
+          </a:p>
+        </p:txBody>
+      </p:sp>
     </p:spTree>
     <p:extLst>
       <p:ext uri="{BB962C8B-B14F-4D97-AF65-F5344CB8AC3E}">

--- a/instructions/FastQC.pptx
+++ b/instructions/FastQC.pptx
@@ -251,7 +251,7 @@
           <a:p>
             <a:fld id="{1CE47332-3B8D-754A-8775-84FD30939A86}" type="datetimeFigureOut">
               <a:rPr lang="en-CH" smtClean="0"/>
-              <a:t>27.03.23</a:t>
+              <a:t>28.03.23</a:t>
             </a:fld>
             <a:endParaRPr lang="en-CH"/>
           </a:p>
@@ -449,7 +449,7 @@
           <a:p>
             <a:fld id="{1CE47332-3B8D-754A-8775-84FD30939A86}" type="datetimeFigureOut">
               <a:rPr lang="en-CH" smtClean="0"/>
-              <a:t>27.03.23</a:t>
+              <a:t>28.03.23</a:t>
             </a:fld>
             <a:endParaRPr lang="en-CH"/>
           </a:p>
@@ -629,7 +629,7 @@
           <a:p>
             <a:fld id="{1CE47332-3B8D-754A-8775-84FD30939A86}" type="datetimeFigureOut">
               <a:rPr lang="en-CH" smtClean="0"/>
-              <a:t>27.03.23</a:t>
+              <a:t>28.03.23</a:t>
             </a:fld>
             <a:endParaRPr lang="en-CH"/>
           </a:p>
@@ -799,7 +799,7 @@
           <a:p>
             <a:fld id="{1CE47332-3B8D-754A-8775-84FD30939A86}" type="datetimeFigureOut">
               <a:rPr lang="en-CH" smtClean="0"/>
-              <a:t>27.03.23</a:t>
+              <a:t>28.03.23</a:t>
             </a:fld>
             <a:endParaRPr lang="en-CH"/>
           </a:p>
@@ -1071,7 +1071,7 @@
           <a:p>
             <a:fld id="{1CE47332-3B8D-754A-8775-84FD30939A86}" type="datetimeFigureOut">
               <a:rPr lang="en-CH" smtClean="0"/>
-              <a:t>27.03.23</a:t>
+              <a:t>28.03.23</a:t>
             </a:fld>
             <a:endParaRPr lang="en-CH"/>
           </a:p>
@@ -1303,7 +1303,7 @@
           <a:p>
             <a:fld id="{1CE47332-3B8D-754A-8775-84FD30939A86}" type="datetimeFigureOut">
               <a:rPr lang="en-CH" smtClean="0"/>
-              <a:t>27.03.23</a:t>
+              <a:t>28.03.23</a:t>
             </a:fld>
             <a:endParaRPr lang="en-CH"/>
           </a:p>
@@ -1670,7 +1670,7 @@
           <a:p>
             <a:fld id="{1CE47332-3B8D-754A-8775-84FD30939A86}" type="datetimeFigureOut">
               <a:rPr lang="en-CH" smtClean="0"/>
-              <a:t>27.03.23</a:t>
+              <a:t>28.03.23</a:t>
             </a:fld>
             <a:endParaRPr lang="en-CH"/>
           </a:p>
@@ -1788,7 +1788,7 @@
           <a:p>
             <a:fld id="{1CE47332-3B8D-754A-8775-84FD30939A86}" type="datetimeFigureOut">
               <a:rPr lang="en-CH" smtClean="0"/>
-              <a:t>27.03.23</a:t>
+              <a:t>28.03.23</a:t>
             </a:fld>
             <a:endParaRPr lang="en-CH"/>
           </a:p>
@@ -1883,7 +1883,7 @@
           <a:p>
             <a:fld id="{1CE47332-3B8D-754A-8775-84FD30939A86}" type="datetimeFigureOut">
               <a:rPr lang="en-CH" smtClean="0"/>
-              <a:t>27.03.23</a:t>
+              <a:t>28.03.23</a:t>
             </a:fld>
             <a:endParaRPr lang="en-CH"/>
           </a:p>
@@ -2160,7 +2160,7 @@
           <a:p>
             <a:fld id="{1CE47332-3B8D-754A-8775-84FD30939A86}" type="datetimeFigureOut">
               <a:rPr lang="en-CH" smtClean="0"/>
-              <a:t>27.03.23</a:t>
+              <a:t>28.03.23</a:t>
             </a:fld>
             <a:endParaRPr lang="en-CH"/>
           </a:p>
@@ -2417,7 +2417,7 @@
           <a:p>
             <a:fld id="{1CE47332-3B8D-754A-8775-84FD30939A86}" type="datetimeFigureOut">
               <a:rPr lang="en-CH" smtClean="0"/>
-              <a:t>27.03.23</a:t>
+              <a:t>28.03.23</a:t>
             </a:fld>
             <a:endParaRPr lang="en-CH"/>
           </a:p>
@@ -2630,7 +2630,7 @@
           <a:p>
             <a:fld id="{1CE47332-3B8D-754A-8775-84FD30939A86}" type="datetimeFigureOut">
               <a:rPr lang="en-CH" smtClean="0"/>
-              <a:t>27.03.23</a:t>
+              <a:t>28.03.23</a:t>
             </a:fld>
             <a:endParaRPr lang="en-CH"/>
           </a:p>
@@ -4323,7 +4323,11 @@
           <a:lstStyle/>
           <a:p>
             <a:r>
-              <a:rPr lang="en-CH" dirty="0"/>
+              <a:rPr lang="en-CH" dirty="0">
+                <a:solidFill>
+                  <a:srgbClr val="FF0000"/>
+                </a:solidFill>
+              </a:rPr>
               <a:t>It should automatically select whether the reads are paired end or not but make sure its correct</a:t>
             </a:r>
           </a:p>
@@ -4385,7 +4389,7 @@
         <p:spPr>
           <a:xfrm>
             <a:off x="4439467" y="1997670"/>
-            <a:ext cx="3743325" cy="646331"/>
+            <a:ext cx="3743325" cy="923330"/>
           </a:xfrm>
           <a:prstGeom prst="rect">
             <a:avLst/>
@@ -4399,13 +4403,31 @@
           <a:lstStyle/>
           <a:p>
             <a:r>
-              <a:rPr lang="en-CH" dirty="0"/>
+              <a:rPr lang="en-CH" b="1" dirty="0">
+                <a:solidFill>
+                  <a:srgbClr val="FF0000"/>
+                </a:solidFill>
+              </a:rPr>
+              <a:t>CORES: 4</a:t>
+            </a:r>
+          </a:p>
+          <a:p>
+            <a:r>
+              <a:rPr lang="en-CH" b="1" dirty="0">
+                <a:solidFill>
+                  <a:srgbClr val="FF0000"/>
+                </a:solidFill>
+              </a:rPr>
               <a:t>RAM: 15 GB</a:t>
             </a:r>
           </a:p>
           <a:p>
             <a:r>
-              <a:rPr lang="en-CH" dirty="0"/>
+              <a:rPr lang="en-CH" b="1" dirty="0">
+                <a:solidFill>
+                  <a:srgbClr val="FF0000"/>
+                </a:solidFill>
+              </a:rPr>
               <a:t>SCRATCH: 10 GB</a:t>
             </a:r>
           </a:p>
@@ -4518,7 +4540,11 @@
           <a:p>
             <a:r>
               <a:rPr lang="en-CH" dirty="0"/>
-              <a:t>After you looked at the reports, go back to the original dataset</a:t>
+              <a:t>After you looked at the reports, </a:t>
+            </a:r>
+            <a:r>
+              <a:rPr lang="en-CH" b="1" dirty="0"/>
+              <a:t>go back to the original dataset</a:t>
             </a:r>
           </a:p>
           <a:p>
@@ -5033,7 +5059,7 @@
         <p:spPr>
           <a:xfrm>
             <a:off x="205280" y="3543300"/>
-            <a:ext cx="2757805" cy="1723549"/>
+            <a:ext cx="2757805" cy="2569934"/>
           </a:xfrm>
           <a:prstGeom prst="rect">
             <a:avLst/>
@@ -5340,25 +5366,18 @@
               <a:t> </a:t>
             </a:r>
             <a:r>
-              <a:rPr sz="1900" dirty="0">
-                <a:latin typeface="Times New Roman"/>
-                <a:cs typeface="Times New Roman"/>
-              </a:rPr>
-              <a:t>the</a:t>
-            </a:r>
-            <a:r>
-              <a:rPr sz="1900" spc="-10" dirty="0">
-                <a:latin typeface="Times New Roman"/>
-                <a:cs typeface="Times New Roman"/>
-              </a:rPr>
-              <a:t> </a:t>
-            </a:r>
-            <a:r>
-              <a:rPr sz="1900" spc="-20" dirty="0">
-                <a:latin typeface="Times New Roman"/>
-                <a:cs typeface="Times New Roman"/>
-              </a:rPr>
-              <a:t>data</a:t>
+              <a:rPr lang="en-GB" sz="1900" b="1" dirty="0">
+                <a:latin typeface="Times New Roman"/>
+                <a:cs typeface="Times New Roman"/>
+              </a:rPr>
+              <a:t>YOUR SAMPLE</a:t>
+            </a:r>
+            <a:r>
+              <a:rPr lang="en-GB" sz="1900" dirty="0">
+                <a:latin typeface="Times New Roman"/>
+                <a:cs typeface="Times New Roman"/>
+              </a:rPr>
+              <a:t> (or a randomly chosen sample)</a:t>
             </a:r>
             <a:endParaRPr sz="1900" dirty="0">
               <a:latin typeface="Times New Roman"/>
@@ -5979,7 +5998,7 @@
         </p:nvSpPr>
         <p:spPr>
           <a:xfrm>
-            <a:off x="2356829" y="4844310"/>
+            <a:off x="2550037" y="4844310"/>
             <a:ext cx="1400865" cy="711550"/>
           </a:xfrm>
           <a:prstGeom prst="rect">
@@ -6001,12 +6020,12 @@
               </a:spcAft>
             </a:pPr>
             <a:r>
-              <a:rPr lang="en-US" sz="1100" dirty="0">
+              <a:rPr lang="en-US" sz="1100" b="1" dirty="0">
                 <a:solidFill>
                   <a:srgbClr val="FF0000"/>
                 </a:solidFill>
               </a:rPr>
-              <a:t>RAM : 15 GB</a:t>
+              <a:t>CORES: 4</a:t>
             </a:r>
           </a:p>
           <a:p>
@@ -6019,12 +6038,76 @@
               </a:spcAft>
             </a:pPr>
             <a:r>
-              <a:rPr lang="en-US" sz="1100" dirty="0">
+              <a:rPr lang="en-US" sz="1100" b="1" dirty="0">
                 <a:solidFill>
                   <a:srgbClr val="FF0000"/>
                 </a:solidFill>
               </a:rPr>
+              <a:t>RAM : 15 GB</a:t>
+            </a:r>
+          </a:p>
+          <a:p>
+            <a:pPr defTabSz="914400">
+              <a:lnSpc>
+                <a:spcPct val="90000"/>
+              </a:lnSpc>
+              <a:spcAft>
+                <a:spcPts val="600"/>
+              </a:spcAft>
+            </a:pPr>
+            <a:r>
+              <a:rPr lang="en-US" sz="1100" b="1" dirty="0">
+                <a:solidFill>
+                  <a:srgbClr val="FF0000"/>
+                </a:solidFill>
+              </a:rPr>
               <a:t>SCRATCH: 15 GB</a:t>
+            </a:r>
+          </a:p>
+        </p:txBody>
+      </p:sp>
+      <p:sp>
+        <p:nvSpPr>
+          <p:cNvPr id="8" name="TextBox 7">
+            <a:extLst>
+              <a:ext uri="{FF2B5EF4-FFF2-40B4-BE49-F238E27FC236}">
+                <a16:creationId xmlns:a16="http://schemas.microsoft.com/office/drawing/2014/main" id="{E0CD6605-9AC5-DDB1-C4D0-E50E053E6CAE}"/>
+              </a:ext>
+            </a:extLst>
+          </p:cNvPr>
+          <p:cNvSpPr txBox="1"/>
+          <p:nvPr/>
+        </p:nvSpPr>
+        <p:spPr>
+          <a:xfrm>
+            <a:off x="1575724" y="5451837"/>
+            <a:ext cx="1400865" cy="711550"/>
+          </a:xfrm>
+          <a:prstGeom prst="rect">
+            <a:avLst/>
+          </a:prstGeom>
+        </p:spPr>
+        <p:txBody>
+          <a:bodyPr vert="horz" lIns="91440" tIns="45720" rIns="91440" bIns="45720" rtlCol="0" anchor="ctr">
+            <a:normAutofit/>
+          </a:bodyPr>
+          <a:lstStyle/>
+          <a:p>
+            <a:pPr defTabSz="914400">
+              <a:lnSpc>
+                <a:spcPct val="90000"/>
+              </a:lnSpc>
+              <a:spcAft>
+                <a:spcPts val="600"/>
+              </a:spcAft>
+            </a:pPr>
+            <a:r>
+              <a:rPr lang="en-US" sz="1100" b="1" dirty="0">
+                <a:solidFill>
+                  <a:srgbClr val="FF0000"/>
+                </a:solidFill>
+              </a:rPr>
+              <a:t>Choose a single sample</a:t>
             </a:r>
           </a:p>
         </p:txBody>
@@ -6759,6 +6842,41 @@
                 <a:cs typeface="Times New Roman" panose="02020603050405020304" pitchFamily="18" charset="0"/>
               </a:rPr>
               <a:t>Now that you have an edited datataset, scroll to the bottom of the page of the Trimmomatic dataset</a:t>
+            </a:r>
+          </a:p>
+        </p:txBody>
+      </p:sp>
+      <p:sp>
+        <p:nvSpPr>
+          <p:cNvPr id="4" name="TextBox 3">
+            <a:extLst>
+              <a:ext uri="{FF2B5EF4-FFF2-40B4-BE49-F238E27FC236}">
+                <a16:creationId xmlns:a16="http://schemas.microsoft.com/office/drawing/2014/main" id="{4CC448DF-ADBC-FEC9-4C96-B437FAECFEA8}"/>
+              </a:ext>
+            </a:extLst>
+          </p:cNvPr>
+          <p:cNvSpPr txBox="1"/>
+          <p:nvPr/>
+        </p:nvSpPr>
+        <p:spPr>
+          <a:xfrm>
+            <a:off x="2182610" y="5137214"/>
+            <a:ext cx="3772571" cy="369332"/>
+          </a:xfrm>
+          <a:prstGeom prst="rect">
+            <a:avLst/>
+          </a:prstGeom>
+          <a:noFill/>
+        </p:spPr>
+        <p:txBody>
+          <a:bodyPr wrap="none" rtlCol="0">
+            <a:spAutoFit/>
+          </a:bodyPr>
+          <a:lstStyle/>
+          <a:p>
+            <a:r>
+              <a:rPr lang="en-CH" dirty="0"/>
+              <a:t>Use the same parameters as in slide 4 </a:t>
             </a:r>
           </a:p>
         </p:txBody>

--- a/instructions/FastQC.pptx
+++ b/instructions/FastQC.pptx
@@ -6,14 +6,15 @@
   </p:sldMasterIdLst>
   <p:sldIdLst>
     <p:sldId id="257" r:id="rId2"/>
-    <p:sldId id="264" r:id="rId3"/>
-    <p:sldId id="263" r:id="rId4"/>
-    <p:sldId id="270" r:id="rId5"/>
-    <p:sldId id="273" r:id="rId6"/>
-    <p:sldId id="262" r:id="rId7"/>
-    <p:sldId id="272" r:id="rId8"/>
-    <p:sldId id="265" r:id="rId9"/>
-    <p:sldId id="274" r:id="rId10"/>
+    <p:sldId id="275" r:id="rId3"/>
+    <p:sldId id="264" r:id="rId4"/>
+    <p:sldId id="263" r:id="rId5"/>
+    <p:sldId id="270" r:id="rId6"/>
+    <p:sldId id="273" r:id="rId7"/>
+    <p:sldId id="262" r:id="rId8"/>
+    <p:sldId id="272" r:id="rId9"/>
+    <p:sldId id="265" r:id="rId10"/>
+    <p:sldId id="274" r:id="rId11"/>
   </p:sldIdLst>
   <p:sldSz cx="9144000" cy="6858000" type="screen4x3"/>
   <p:notesSz cx="6858000" cy="9144000"/>
@@ -251,7 +252,7 @@
           <a:p>
             <a:fld id="{1CE47332-3B8D-754A-8775-84FD30939A86}" type="datetimeFigureOut">
               <a:rPr lang="en-CH" smtClean="0"/>
-              <a:t>28.03.23</a:t>
+              <a:t>17.06.2024</a:t>
             </a:fld>
             <a:endParaRPr lang="en-CH"/>
           </a:p>
@@ -449,7 +450,7 @@
           <a:p>
             <a:fld id="{1CE47332-3B8D-754A-8775-84FD30939A86}" type="datetimeFigureOut">
               <a:rPr lang="en-CH" smtClean="0"/>
-              <a:t>28.03.23</a:t>
+              <a:t>17.06.2024</a:t>
             </a:fld>
             <a:endParaRPr lang="en-CH"/>
           </a:p>
@@ -629,7 +630,7 @@
           <a:p>
             <a:fld id="{1CE47332-3B8D-754A-8775-84FD30939A86}" type="datetimeFigureOut">
               <a:rPr lang="en-CH" smtClean="0"/>
-              <a:t>28.03.23</a:t>
+              <a:t>17.06.2024</a:t>
             </a:fld>
             <a:endParaRPr lang="en-CH"/>
           </a:p>
@@ -799,7 +800,7 @@
           <a:p>
             <a:fld id="{1CE47332-3B8D-754A-8775-84FD30939A86}" type="datetimeFigureOut">
               <a:rPr lang="en-CH" smtClean="0"/>
-              <a:t>28.03.23</a:t>
+              <a:t>17.06.2024</a:t>
             </a:fld>
             <a:endParaRPr lang="en-CH"/>
           </a:p>
@@ -1071,7 +1072,7 @@
           <a:p>
             <a:fld id="{1CE47332-3B8D-754A-8775-84FD30939A86}" type="datetimeFigureOut">
               <a:rPr lang="en-CH" smtClean="0"/>
-              <a:t>28.03.23</a:t>
+              <a:t>17.06.2024</a:t>
             </a:fld>
             <a:endParaRPr lang="en-CH"/>
           </a:p>
@@ -1303,7 +1304,7 @@
           <a:p>
             <a:fld id="{1CE47332-3B8D-754A-8775-84FD30939A86}" type="datetimeFigureOut">
               <a:rPr lang="en-CH" smtClean="0"/>
-              <a:t>28.03.23</a:t>
+              <a:t>17.06.2024</a:t>
             </a:fld>
             <a:endParaRPr lang="en-CH"/>
           </a:p>
@@ -1670,7 +1671,7 @@
           <a:p>
             <a:fld id="{1CE47332-3B8D-754A-8775-84FD30939A86}" type="datetimeFigureOut">
               <a:rPr lang="en-CH" smtClean="0"/>
-              <a:t>28.03.23</a:t>
+              <a:t>17.06.2024</a:t>
             </a:fld>
             <a:endParaRPr lang="en-CH"/>
           </a:p>
@@ -1788,7 +1789,7 @@
           <a:p>
             <a:fld id="{1CE47332-3B8D-754A-8775-84FD30939A86}" type="datetimeFigureOut">
               <a:rPr lang="en-CH" smtClean="0"/>
-              <a:t>28.03.23</a:t>
+              <a:t>17.06.2024</a:t>
             </a:fld>
             <a:endParaRPr lang="en-CH"/>
           </a:p>
@@ -1883,7 +1884,7 @@
           <a:p>
             <a:fld id="{1CE47332-3B8D-754A-8775-84FD30939A86}" type="datetimeFigureOut">
               <a:rPr lang="en-CH" smtClean="0"/>
-              <a:t>28.03.23</a:t>
+              <a:t>17.06.2024</a:t>
             </a:fld>
             <a:endParaRPr lang="en-CH"/>
           </a:p>
@@ -2160,7 +2161,7 @@
           <a:p>
             <a:fld id="{1CE47332-3B8D-754A-8775-84FD30939A86}" type="datetimeFigureOut">
               <a:rPr lang="en-CH" smtClean="0"/>
-              <a:t>28.03.23</a:t>
+              <a:t>17.06.2024</a:t>
             </a:fld>
             <a:endParaRPr lang="en-CH"/>
           </a:p>
@@ -2417,7 +2418,7 @@
           <a:p>
             <a:fld id="{1CE47332-3B8D-754A-8775-84FD30939A86}" type="datetimeFigureOut">
               <a:rPr lang="en-CH" smtClean="0"/>
-              <a:t>28.03.23</a:t>
+              <a:t>17.06.2024</a:t>
             </a:fld>
             <a:endParaRPr lang="en-CH"/>
           </a:p>
@@ -2630,7 +2631,7 @@
           <a:p>
             <a:fld id="{1CE47332-3B8D-754A-8775-84FD30939A86}" type="datetimeFigureOut">
               <a:rPr lang="en-CH" smtClean="0"/>
-              <a:t>28.03.23</a:t>
+              <a:t>17.06.2024</a:t>
             </a:fld>
             <a:endParaRPr lang="en-CH"/>
           </a:p>
@@ -3108,6 +3109,203 @@
 </p:sld>
 </file>
 
+<file path=ppt/slides/slide10.xml><?xml version="1.0" encoding="utf-8"?>
+<p:sld xmlns:a="http://schemas.openxmlformats.org/drawingml/2006/main" xmlns:r="http://schemas.openxmlformats.org/officeDocument/2006/relationships" xmlns:p="http://schemas.openxmlformats.org/presentationml/2006/main">
+  <p:cSld>
+    <p:spTree>
+      <p:nvGrpSpPr>
+        <p:cNvPr id="1" name=""/>
+        <p:cNvGrpSpPr/>
+        <p:nvPr/>
+      </p:nvGrpSpPr>
+      <p:grpSpPr>
+        <a:xfrm>
+          <a:off x="0" y="0"/>
+          <a:ext cx="0" cy="0"/>
+          <a:chOff x="0" y="0"/>
+          <a:chExt cx="0" cy="0"/>
+        </a:xfrm>
+      </p:grpSpPr>
+      <p:sp>
+        <p:nvSpPr>
+          <p:cNvPr id="2" name="Title 1">
+            <a:extLst>
+              <a:ext uri="{FF2B5EF4-FFF2-40B4-BE49-F238E27FC236}">
+                <a16:creationId xmlns:a16="http://schemas.microsoft.com/office/drawing/2014/main" id="{7CF6F722-8A15-FF6D-1500-924639A567E8}"/>
+              </a:ext>
+            </a:extLst>
+          </p:cNvPr>
+          <p:cNvSpPr>
+            <a:spLocks noGrp="1"/>
+          </p:cNvSpPr>
+          <p:nvPr>
+            <p:ph type="title"/>
+          </p:nvPr>
+        </p:nvSpPr>
+        <p:spPr>
+          <a:xfrm>
+            <a:off x="628650" y="681037"/>
+            <a:ext cx="7886700" cy="1325563"/>
+          </a:xfrm>
+        </p:spPr>
+        <p:txBody>
+          <a:bodyPr/>
+          <a:lstStyle/>
+          <a:p>
+            <a:r>
+              <a:rPr lang="en-CH" dirty="0"/>
+              <a:t>Once the job has finished</a:t>
+            </a:r>
+          </a:p>
+        </p:txBody>
+      </p:sp>
+      <p:sp>
+        <p:nvSpPr>
+          <p:cNvPr id="3" name="Content Placeholder 2">
+            <a:extLst>
+              <a:ext uri="{FF2B5EF4-FFF2-40B4-BE49-F238E27FC236}">
+                <a16:creationId xmlns:a16="http://schemas.microsoft.com/office/drawing/2014/main" id="{A951638D-76A6-60F0-B8D1-E1C3476FEC35}"/>
+              </a:ext>
+            </a:extLst>
+          </p:cNvPr>
+          <p:cNvSpPr>
+            <a:spLocks noGrp="1"/>
+          </p:cNvSpPr>
+          <p:nvPr>
+            <p:ph idx="1"/>
+          </p:nvPr>
+        </p:nvSpPr>
+        <p:spPr/>
+        <p:txBody>
+          <a:bodyPr/>
+          <a:lstStyle/>
+          <a:p>
+            <a:r>
+              <a:rPr lang="en-CH" dirty="0"/>
+              <a:t>Look at the reports:</a:t>
+            </a:r>
+          </a:p>
+          <a:p>
+            <a:r>
+              <a:rPr lang="en-CH" dirty="0"/>
+              <a:t>You have both the FastQC and the MultiQC reports</a:t>
+            </a:r>
+          </a:p>
+          <a:p>
+            <a:endParaRPr lang="en-CH" dirty="0"/>
+          </a:p>
+          <a:p>
+            <a:endParaRPr lang="en-CH" dirty="0"/>
+          </a:p>
+          <a:p>
+            <a:endParaRPr lang="en-CH" dirty="0"/>
+          </a:p>
+          <a:p>
+            <a:r>
+              <a:rPr lang="en-CH" dirty="0"/>
+              <a:t>Do you see any difference? Lets discuss</a:t>
+            </a:r>
+          </a:p>
+          <a:p>
+            <a:endParaRPr lang="en-CH" dirty="0"/>
+          </a:p>
+        </p:txBody>
+      </p:sp>
+      <p:pic>
+        <p:nvPicPr>
+          <p:cNvPr id="5" name="Picture 4" descr="Graphical user interface&#10;&#10;Description automatically generated">
+            <a:extLst>
+              <a:ext uri="{FF2B5EF4-FFF2-40B4-BE49-F238E27FC236}">
+                <a16:creationId xmlns:a16="http://schemas.microsoft.com/office/drawing/2014/main" id="{47B31E77-053F-EBDB-9CE9-764FF40815C6}"/>
+              </a:ext>
+            </a:extLst>
+          </p:cNvPr>
+          <p:cNvPicPr>
+            <a:picLocks noChangeAspect="1"/>
+          </p:cNvPicPr>
+          <p:nvPr/>
+        </p:nvPicPr>
+        <p:blipFill>
+          <a:blip r:embed="rId2"/>
+          <a:stretch>
+            <a:fillRect/>
+          </a:stretch>
+        </p:blipFill>
+        <p:spPr>
+          <a:xfrm>
+            <a:off x="742950" y="3007537"/>
+            <a:ext cx="7772400" cy="1161946"/>
+          </a:xfrm>
+          <a:prstGeom prst="rect">
+            <a:avLst/>
+          </a:prstGeom>
+        </p:spPr>
+      </p:pic>
+      <p:sp>
+        <p:nvSpPr>
+          <p:cNvPr id="6" name="Oval 5">
+            <a:extLst>
+              <a:ext uri="{FF2B5EF4-FFF2-40B4-BE49-F238E27FC236}">
+                <a16:creationId xmlns:a16="http://schemas.microsoft.com/office/drawing/2014/main" id="{664F9C8D-F63D-3003-7448-4AF0999FC352}"/>
+              </a:ext>
+            </a:extLst>
+          </p:cNvPr>
+          <p:cNvSpPr/>
+          <p:nvPr/>
+        </p:nvSpPr>
+        <p:spPr>
+          <a:xfrm>
+            <a:off x="3940864" y="3147012"/>
+            <a:ext cx="4688785" cy="1048596"/>
+          </a:xfrm>
+          <a:prstGeom prst="ellipse">
+            <a:avLst/>
+          </a:prstGeom>
+          <a:noFill/>
+          <a:ln>
+            <a:solidFill>
+              <a:srgbClr val="FF0000"/>
+            </a:solidFill>
+          </a:ln>
+        </p:spPr>
+        <p:style>
+          <a:lnRef idx="2">
+            <a:schemeClr val="accent1">
+              <a:shade val="50000"/>
+            </a:schemeClr>
+          </a:lnRef>
+          <a:fillRef idx="1">
+            <a:schemeClr val="accent1"/>
+          </a:fillRef>
+          <a:effectRef idx="0">
+            <a:schemeClr val="accent1"/>
+          </a:effectRef>
+          <a:fontRef idx="minor">
+            <a:schemeClr val="lt1"/>
+          </a:fontRef>
+        </p:style>
+        <p:txBody>
+          <a:bodyPr rtlCol="0" anchor="ctr"/>
+          <a:lstStyle/>
+          <a:p>
+            <a:pPr algn="ctr"/>
+            <a:endParaRPr lang="en-CH"/>
+          </a:p>
+        </p:txBody>
+      </p:sp>
+    </p:spTree>
+    <p:extLst>
+      <p:ext uri="{BB962C8B-B14F-4D97-AF65-F5344CB8AC3E}">
+        <p14:creationId xmlns:p14="http://schemas.microsoft.com/office/powerpoint/2010/main" val="1294885153"/>
+      </p:ext>
+    </p:extLst>
+  </p:cSld>
+  <p:clrMapOvr>
+    <a:masterClrMapping/>
+  </p:clrMapOvr>
+</p:sld>
+</file>
+
 <file path=ppt/slides/slide2.xml><?xml version="1.0" encoding="utf-8"?>
 <p:sld xmlns:a="http://schemas.openxmlformats.org/drawingml/2006/main" xmlns:r="http://schemas.openxmlformats.org/officeDocument/2006/relationships" xmlns:p="http://schemas.openxmlformats.org/presentationml/2006/main">
   <p:cSld>
@@ -3130,6 +3328,298 @@
           <p:cNvPr id="2" name="Title 1">
             <a:extLst>
               <a:ext uri="{FF2B5EF4-FFF2-40B4-BE49-F238E27FC236}">
+                <a16:creationId xmlns:a16="http://schemas.microsoft.com/office/drawing/2014/main" id="{B56B4B45-CE8B-CD5C-9269-1CFA31A448D8}"/>
+              </a:ext>
+            </a:extLst>
+          </p:cNvPr>
+          <p:cNvSpPr>
+            <a:spLocks noGrp="1"/>
+          </p:cNvSpPr>
+          <p:nvPr>
+            <p:ph type="title"/>
+          </p:nvPr>
+        </p:nvSpPr>
+        <p:spPr>
+          <a:xfrm>
+            <a:off x="628650" y="681037"/>
+            <a:ext cx="7886700" cy="1325563"/>
+          </a:xfrm>
+        </p:spPr>
+        <p:txBody>
+          <a:bodyPr/>
+          <a:lstStyle/>
+          <a:p>
+            <a:r>
+              <a:rPr lang="en-CH" dirty="0"/>
+              <a:t>SUSHI – find your data</a:t>
+            </a:r>
+          </a:p>
+        </p:txBody>
+      </p:sp>
+      <p:pic>
+        <p:nvPicPr>
+          <p:cNvPr id="5" name="Content Placeholder 4" descr="A screenshot of a computer&#10;&#10;Description automatically generated">
+            <a:extLst>
+              <a:ext uri="{FF2B5EF4-FFF2-40B4-BE49-F238E27FC236}">
+                <a16:creationId xmlns:a16="http://schemas.microsoft.com/office/drawing/2014/main" id="{4E37A300-0B01-723B-A4C2-11511CCFD964}"/>
+              </a:ext>
+            </a:extLst>
+          </p:cNvPr>
+          <p:cNvPicPr>
+            <a:picLocks noGrp="1" noChangeAspect="1"/>
+          </p:cNvPicPr>
+          <p:nvPr>
+            <p:ph idx="1"/>
+          </p:nvPr>
+        </p:nvPicPr>
+        <p:blipFill>
+          <a:blip r:embed="rId2"/>
+          <a:stretch>
+            <a:fillRect/>
+          </a:stretch>
+        </p:blipFill>
+        <p:spPr>
+          <a:xfrm>
+            <a:off x="628650" y="1818350"/>
+            <a:ext cx="7886700" cy="3709903"/>
+          </a:xfrm>
+        </p:spPr>
+      </p:pic>
+      <p:sp>
+        <p:nvSpPr>
+          <p:cNvPr id="6" name="Content Placeholder 7">
+            <a:extLst>
+              <a:ext uri="{FF2B5EF4-FFF2-40B4-BE49-F238E27FC236}">
+                <a16:creationId xmlns:a16="http://schemas.microsoft.com/office/drawing/2014/main" id="{5A40C396-85C8-4171-8D68-96853E003193}"/>
+              </a:ext>
+            </a:extLst>
+          </p:cNvPr>
+          <p:cNvSpPr txBox="1">
+            <a:spLocks/>
+          </p:cNvSpPr>
+          <p:nvPr/>
+        </p:nvSpPr>
+        <p:spPr>
+          <a:xfrm>
+            <a:off x="487017" y="5724940"/>
+            <a:ext cx="7971183" cy="750196"/>
+          </a:xfrm>
+          <a:prstGeom prst="rect">
+            <a:avLst/>
+          </a:prstGeom>
+        </p:spPr>
+        <p:txBody>
+          <a:bodyPr vert="horz" lIns="91440" tIns="45720" rIns="91440" bIns="45720" rtlCol="0">
+            <a:normAutofit fontScale="92500" lnSpcReduction="10000"/>
+          </a:bodyPr>
+          <a:lstStyle>
+            <a:lvl1pPr marL="228600" indent="-228600" algn="l" defTabSz="914400" rtl="0" eaLnBrk="1" latinLnBrk="0" hangingPunct="1">
+              <a:lnSpc>
+                <a:spcPct val="90000"/>
+              </a:lnSpc>
+              <a:spcBef>
+                <a:spcPts val="1000"/>
+              </a:spcBef>
+              <a:buFont typeface="Arial" panose="020B0604020202020204" pitchFamily="34" charset="0"/>
+              <a:buChar char="•"/>
+              <a:defRPr sz="2800" kern="1200">
+                <a:solidFill>
+                  <a:schemeClr val="tx1"/>
+                </a:solidFill>
+                <a:latin typeface="+mn-lt"/>
+                <a:ea typeface="+mn-ea"/>
+                <a:cs typeface="+mn-cs"/>
+              </a:defRPr>
+            </a:lvl1pPr>
+            <a:lvl2pPr marL="685800" indent="-228600" algn="l" defTabSz="914400" rtl="0" eaLnBrk="1" latinLnBrk="0" hangingPunct="1">
+              <a:lnSpc>
+                <a:spcPct val="90000"/>
+              </a:lnSpc>
+              <a:spcBef>
+                <a:spcPts val="500"/>
+              </a:spcBef>
+              <a:buFont typeface="Arial" panose="020B0604020202020204" pitchFamily="34" charset="0"/>
+              <a:buChar char="•"/>
+              <a:defRPr sz="2400" kern="1200">
+                <a:solidFill>
+                  <a:schemeClr val="tx1"/>
+                </a:solidFill>
+                <a:latin typeface="+mn-lt"/>
+                <a:ea typeface="+mn-ea"/>
+                <a:cs typeface="+mn-cs"/>
+              </a:defRPr>
+            </a:lvl2pPr>
+            <a:lvl3pPr marL="1143000" indent="-228600" algn="l" defTabSz="914400" rtl="0" eaLnBrk="1" latinLnBrk="0" hangingPunct="1">
+              <a:lnSpc>
+                <a:spcPct val="90000"/>
+              </a:lnSpc>
+              <a:spcBef>
+                <a:spcPts val="500"/>
+              </a:spcBef>
+              <a:buFont typeface="Arial" panose="020B0604020202020204" pitchFamily="34" charset="0"/>
+              <a:buChar char="•"/>
+              <a:defRPr sz="2000" kern="1200">
+                <a:solidFill>
+                  <a:schemeClr val="tx1"/>
+                </a:solidFill>
+                <a:latin typeface="+mn-lt"/>
+                <a:ea typeface="+mn-ea"/>
+                <a:cs typeface="+mn-cs"/>
+              </a:defRPr>
+            </a:lvl3pPr>
+            <a:lvl4pPr marL="1600200" indent="-228600" algn="l" defTabSz="914400" rtl="0" eaLnBrk="1" latinLnBrk="0" hangingPunct="1">
+              <a:lnSpc>
+                <a:spcPct val="90000"/>
+              </a:lnSpc>
+              <a:spcBef>
+                <a:spcPts val="500"/>
+              </a:spcBef>
+              <a:buFont typeface="Arial" panose="020B0604020202020204" pitchFamily="34" charset="0"/>
+              <a:buChar char="•"/>
+              <a:defRPr sz="1800" kern="1200">
+                <a:solidFill>
+                  <a:schemeClr val="tx1"/>
+                </a:solidFill>
+                <a:latin typeface="+mn-lt"/>
+                <a:ea typeface="+mn-ea"/>
+                <a:cs typeface="+mn-cs"/>
+              </a:defRPr>
+            </a:lvl4pPr>
+            <a:lvl5pPr marL="2057400" indent="-228600" algn="l" defTabSz="914400" rtl="0" eaLnBrk="1" latinLnBrk="0" hangingPunct="1">
+              <a:lnSpc>
+                <a:spcPct val="90000"/>
+              </a:lnSpc>
+              <a:spcBef>
+                <a:spcPts val="500"/>
+              </a:spcBef>
+              <a:buFont typeface="Arial" panose="020B0604020202020204" pitchFamily="34" charset="0"/>
+              <a:buChar char="•"/>
+              <a:defRPr sz="1800" kern="1200">
+                <a:solidFill>
+                  <a:schemeClr val="tx1"/>
+                </a:solidFill>
+                <a:latin typeface="+mn-lt"/>
+                <a:ea typeface="+mn-ea"/>
+                <a:cs typeface="+mn-cs"/>
+              </a:defRPr>
+            </a:lvl5pPr>
+            <a:lvl6pPr marL="2514600" indent="-228600" algn="l" defTabSz="914400" rtl="0" eaLnBrk="1" latinLnBrk="0" hangingPunct="1">
+              <a:lnSpc>
+                <a:spcPct val="90000"/>
+              </a:lnSpc>
+              <a:spcBef>
+                <a:spcPts val="500"/>
+              </a:spcBef>
+              <a:buFont typeface="Arial" panose="020B0604020202020204" pitchFamily="34" charset="0"/>
+              <a:buChar char="•"/>
+              <a:defRPr sz="1800" kern="1200">
+                <a:solidFill>
+                  <a:schemeClr val="tx1"/>
+                </a:solidFill>
+                <a:latin typeface="+mn-lt"/>
+                <a:ea typeface="+mn-ea"/>
+                <a:cs typeface="+mn-cs"/>
+              </a:defRPr>
+            </a:lvl6pPr>
+            <a:lvl7pPr marL="2971800" indent="-228600" algn="l" defTabSz="914400" rtl="0" eaLnBrk="1" latinLnBrk="0" hangingPunct="1">
+              <a:lnSpc>
+                <a:spcPct val="90000"/>
+              </a:lnSpc>
+              <a:spcBef>
+                <a:spcPts val="500"/>
+              </a:spcBef>
+              <a:buFont typeface="Arial" panose="020B0604020202020204" pitchFamily="34" charset="0"/>
+              <a:buChar char="•"/>
+              <a:defRPr sz="1800" kern="1200">
+                <a:solidFill>
+                  <a:schemeClr val="tx1"/>
+                </a:solidFill>
+                <a:latin typeface="+mn-lt"/>
+                <a:ea typeface="+mn-ea"/>
+                <a:cs typeface="+mn-cs"/>
+              </a:defRPr>
+            </a:lvl7pPr>
+            <a:lvl8pPr marL="3429000" indent="-228600" algn="l" defTabSz="914400" rtl="0" eaLnBrk="1" latinLnBrk="0" hangingPunct="1">
+              <a:lnSpc>
+                <a:spcPct val="90000"/>
+              </a:lnSpc>
+              <a:spcBef>
+                <a:spcPts val="500"/>
+              </a:spcBef>
+              <a:buFont typeface="Arial" panose="020B0604020202020204" pitchFamily="34" charset="0"/>
+              <a:buChar char="•"/>
+              <a:defRPr sz="1800" kern="1200">
+                <a:solidFill>
+                  <a:schemeClr val="tx1"/>
+                </a:solidFill>
+                <a:latin typeface="+mn-lt"/>
+                <a:ea typeface="+mn-ea"/>
+                <a:cs typeface="+mn-cs"/>
+              </a:defRPr>
+            </a:lvl8pPr>
+            <a:lvl9pPr marL="3886200" indent="-228600" algn="l" defTabSz="914400" rtl="0" eaLnBrk="1" latinLnBrk="0" hangingPunct="1">
+              <a:lnSpc>
+                <a:spcPct val="90000"/>
+              </a:lnSpc>
+              <a:spcBef>
+                <a:spcPts val="500"/>
+              </a:spcBef>
+              <a:buFont typeface="Arial" panose="020B0604020202020204" pitchFamily="34" charset="0"/>
+              <a:buChar char="•"/>
+              <a:defRPr sz="1800" kern="1200">
+                <a:solidFill>
+                  <a:schemeClr val="tx1"/>
+                </a:solidFill>
+                <a:latin typeface="+mn-lt"/>
+                <a:ea typeface="+mn-ea"/>
+                <a:cs typeface="+mn-cs"/>
+              </a:defRPr>
+            </a:lvl9pPr>
+          </a:lstStyle>
+          <a:p>
+            <a:r>
+              <a:rPr lang="en-CH" dirty="0"/>
+              <a:t>This is what you see when you enter except that the project ID is different. GO TO DataSets</a:t>
+            </a:r>
+            <a:endParaRPr lang="en-CH" sz="3300" b="1" dirty="0"/>
+          </a:p>
+        </p:txBody>
+      </p:sp>
+    </p:spTree>
+    <p:extLst>
+      <p:ext uri="{BB962C8B-B14F-4D97-AF65-F5344CB8AC3E}">
+        <p14:creationId xmlns:p14="http://schemas.microsoft.com/office/powerpoint/2010/main" val="1118707104"/>
+      </p:ext>
+    </p:extLst>
+  </p:cSld>
+  <p:clrMapOvr>
+    <a:masterClrMapping/>
+  </p:clrMapOvr>
+</p:sld>
+</file>
+
+<file path=ppt/slides/slide3.xml><?xml version="1.0" encoding="utf-8"?>
+<p:sld xmlns:a="http://schemas.openxmlformats.org/drawingml/2006/main" xmlns:r="http://schemas.openxmlformats.org/officeDocument/2006/relationships" xmlns:p="http://schemas.openxmlformats.org/presentationml/2006/main">
+  <p:cSld>
+    <p:spTree>
+      <p:nvGrpSpPr>
+        <p:cNvPr id="1" name=""/>
+        <p:cNvGrpSpPr/>
+        <p:nvPr/>
+      </p:nvGrpSpPr>
+      <p:grpSpPr>
+        <a:xfrm>
+          <a:off x="0" y="0"/>
+          <a:ext cx="0" cy="0"/>
+          <a:chOff x="0" y="0"/>
+          <a:chExt cx="0" cy="0"/>
+        </a:xfrm>
+      </p:grpSpPr>
+      <p:sp>
+        <p:nvSpPr>
+          <p:cNvPr id="2" name="Title 1">
+            <a:extLst>
+              <a:ext uri="{FF2B5EF4-FFF2-40B4-BE49-F238E27FC236}">
                 <a16:creationId xmlns:a16="http://schemas.microsoft.com/office/drawing/2014/main" id="{CF4EE9D7-91E8-AA42-5824-3EB11D6BD058}"/>
               </a:ext>
             </a:extLst>
@@ -3198,7 +3688,7 @@
             </a:r>
             <a:r>
               <a:rPr lang="en-CH" sz="3300" b="1" dirty="0"/>
-              <a:t>p29934_March2023 </a:t>
+              <a:t>Monday_June2024</a:t>
             </a:r>
             <a:r>
               <a:rPr lang="en-CH" dirty="0"/>
@@ -3254,7 +3744,7 @@
 </p:sld>
 </file>
 
-<file path=ppt/slides/slide3.xml><?xml version="1.0" encoding="utf-8"?>
+<file path=ppt/slides/slide4.xml><?xml version="1.0" encoding="utf-8"?>
 <p:sld xmlns:a="http://schemas.openxmlformats.org/drawingml/2006/main" xmlns:r="http://schemas.openxmlformats.org/officeDocument/2006/relationships" xmlns:p="http://schemas.openxmlformats.org/presentationml/2006/main">
   <p:cSld>
     <p:spTree>
@@ -4059,7 +4549,7 @@
 </p:sld>
 </file>
 
-<file path=ppt/slides/slide4.xml><?xml version="1.0" encoding="utf-8"?>
+<file path=ppt/slides/slide5.xml><?xml version="1.0" encoding="utf-8"?>
 <p:sld xmlns:a="http://schemas.openxmlformats.org/drawingml/2006/main" xmlns:r="http://schemas.openxmlformats.org/officeDocument/2006/relationships" xmlns:p="http://schemas.openxmlformats.org/presentationml/2006/main">
   <p:cSld>
     <p:spTree>
@@ -4446,7 +4936,7 @@
 </p:sld>
 </file>
 
-<file path=ppt/slides/slide5.xml><?xml version="1.0" encoding="utf-8"?>
+<file path=ppt/slides/slide6.xml><?xml version="1.0" encoding="utf-8"?>
 <p:sld xmlns:a="http://schemas.openxmlformats.org/drawingml/2006/main" xmlns:r="http://schemas.openxmlformats.org/officeDocument/2006/relationships" xmlns:p="http://schemas.openxmlformats.org/presentationml/2006/main">
   <p:cSld>
     <p:spTree>
@@ -4647,7 +5137,7 @@
 </p:sld>
 </file>
 
-<file path=ppt/slides/slide6.xml><?xml version="1.0" encoding="utf-8"?>
+<file path=ppt/slides/slide7.xml><?xml version="1.0" encoding="utf-8"?>
 <p:sld xmlns:a="http://schemas.openxmlformats.org/drawingml/2006/main" xmlns:r="http://schemas.openxmlformats.org/officeDocument/2006/relationships" xmlns:p="http://schemas.openxmlformats.org/presentationml/2006/main">
   <p:cSld>
     <p:spTree>
@@ -5610,7 +6100,7 @@
 </p:sld>
 </file>
 
-<file path=ppt/slides/slide7.xml><?xml version="1.0" encoding="utf-8"?>
+<file path=ppt/slides/slide8.xml><?xml version="1.0" encoding="utf-8"?>
 <p:sld xmlns:a="http://schemas.openxmlformats.org/drawingml/2006/main" xmlns:r="http://schemas.openxmlformats.org/officeDocument/2006/relationships" xmlns:p="http://schemas.openxmlformats.org/presentationml/2006/main">
   <p:cSld>
     <p:spTree>
@@ -6125,7 +6615,7 @@
 </p:sld>
 </file>
 
-<file path=ppt/slides/slide8.xml><?xml version="1.0" encoding="utf-8"?>
+<file path=ppt/slides/slide9.xml><?xml version="1.0" encoding="utf-8"?>
 <p:sld xmlns:a="http://schemas.openxmlformats.org/drawingml/2006/main" xmlns:r="http://schemas.openxmlformats.org/officeDocument/2006/relationships" xmlns:p="http://schemas.openxmlformats.org/presentationml/2006/main">
   <p:cSld>
     <p:spTree>
@@ -6885,203 +7375,6 @@
     <p:extLst>
       <p:ext uri="{BB962C8B-B14F-4D97-AF65-F5344CB8AC3E}">
         <p14:creationId xmlns:p14="http://schemas.microsoft.com/office/powerpoint/2010/main" val="4146995421"/>
-      </p:ext>
-    </p:extLst>
-  </p:cSld>
-  <p:clrMapOvr>
-    <a:masterClrMapping/>
-  </p:clrMapOvr>
-</p:sld>
-</file>
-
-<file path=ppt/slides/slide9.xml><?xml version="1.0" encoding="utf-8"?>
-<p:sld xmlns:a="http://schemas.openxmlformats.org/drawingml/2006/main" xmlns:r="http://schemas.openxmlformats.org/officeDocument/2006/relationships" xmlns:p="http://schemas.openxmlformats.org/presentationml/2006/main">
-  <p:cSld>
-    <p:spTree>
-      <p:nvGrpSpPr>
-        <p:cNvPr id="1" name=""/>
-        <p:cNvGrpSpPr/>
-        <p:nvPr/>
-      </p:nvGrpSpPr>
-      <p:grpSpPr>
-        <a:xfrm>
-          <a:off x="0" y="0"/>
-          <a:ext cx="0" cy="0"/>
-          <a:chOff x="0" y="0"/>
-          <a:chExt cx="0" cy="0"/>
-        </a:xfrm>
-      </p:grpSpPr>
-      <p:sp>
-        <p:nvSpPr>
-          <p:cNvPr id="2" name="Title 1">
-            <a:extLst>
-              <a:ext uri="{FF2B5EF4-FFF2-40B4-BE49-F238E27FC236}">
-                <a16:creationId xmlns:a16="http://schemas.microsoft.com/office/drawing/2014/main" id="{7CF6F722-8A15-FF6D-1500-924639A567E8}"/>
-              </a:ext>
-            </a:extLst>
-          </p:cNvPr>
-          <p:cNvSpPr>
-            <a:spLocks noGrp="1"/>
-          </p:cNvSpPr>
-          <p:nvPr>
-            <p:ph type="title"/>
-          </p:nvPr>
-        </p:nvSpPr>
-        <p:spPr>
-          <a:xfrm>
-            <a:off x="628650" y="681037"/>
-            <a:ext cx="7886700" cy="1325563"/>
-          </a:xfrm>
-        </p:spPr>
-        <p:txBody>
-          <a:bodyPr/>
-          <a:lstStyle/>
-          <a:p>
-            <a:r>
-              <a:rPr lang="en-CH" dirty="0"/>
-              <a:t>Once the job has finished</a:t>
-            </a:r>
-          </a:p>
-        </p:txBody>
-      </p:sp>
-      <p:sp>
-        <p:nvSpPr>
-          <p:cNvPr id="3" name="Content Placeholder 2">
-            <a:extLst>
-              <a:ext uri="{FF2B5EF4-FFF2-40B4-BE49-F238E27FC236}">
-                <a16:creationId xmlns:a16="http://schemas.microsoft.com/office/drawing/2014/main" id="{A951638D-76A6-60F0-B8D1-E1C3476FEC35}"/>
-              </a:ext>
-            </a:extLst>
-          </p:cNvPr>
-          <p:cNvSpPr>
-            <a:spLocks noGrp="1"/>
-          </p:cNvSpPr>
-          <p:nvPr>
-            <p:ph idx="1"/>
-          </p:nvPr>
-        </p:nvSpPr>
-        <p:spPr/>
-        <p:txBody>
-          <a:bodyPr/>
-          <a:lstStyle/>
-          <a:p>
-            <a:r>
-              <a:rPr lang="en-CH" dirty="0"/>
-              <a:t>Look at the reports:</a:t>
-            </a:r>
-          </a:p>
-          <a:p>
-            <a:r>
-              <a:rPr lang="en-CH" dirty="0"/>
-              <a:t>You have both the FastQC and the MultiQC reports</a:t>
-            </a:r>
-          </a:p>
-          <a:p>
-            <a:endParaRPr lang="en-CH" dirty="0"/>
-          </a:p>
-          <a:p>
-            <a:endParaRPr lang="en-CH" dirty="0"/>
-          </a:p>
-          <a:p>
-            <a:endParaRPr lang="en-CH" dirty="0"/>
-          </a:p>
-          <a:p>
-            <a:r>
-              <a:rPr lang="en-CH" dirty="0"/>
-              <a:t>Do you see any difference? Lets discuss</a:t>
-            </a:r>
-          </a:p>
-          <a:p>
-            <a:endParaRPr lang="en-CH" dirty="0"/>
-          </a:p>
-        </p:txBody>
-      </p:sp>
-      <p:pic>
-        <p:nvPicPr>
-          <p:cNvPr id="5" name="Picture 4" descr="Graphical user interface&#10;&#10;Description automatically generated">
-            <a:extLst>
-              <a:ext uri="{FF2B5EF4-FFF2-40B4-BE49-F238E27FC236}">
-                <a16:creationId xmlns:a16="http://schemas.microsoft.com/office/drawing/2014/main" id="{47B31E77-053F-EBDB-9CE9-764FF40815C6}"/>
-              </a:ext>
-            </a:extLst>
-          </p:cNvPr>
-          <p:cNvPicPr>
-            <a:picLocks noChangeAspect="1"/>
-          </p:cNvPicPr>
-          <p:nvPr/>
-        </p:nvPicPr>
-        <p:blipFill>
-          <a:blip r:embed="rId2"/>
-          <a:stretch>
-            <a:fillRect/>
-          </a:stretch>
-        </p:blipFill>
-        <p:spPr>
-          <a:xfrm>
-            <a:off x="742950" y="3007537"/>
-            <a:ext cx="7772400" cy="1161946"/>
-          </a:xfrm>
-          <a:prstGeom prst="rect">
-            <a:avLst/>
-          </a:prstGeom>
-        </p:spPr>
-      </p:pic>
-      <p:sp>
-        <p:nvSpPr>
-          <p:cNvPr id="6" name="Oval 5">
-            <a:extLst>
-              <a:ext uri="{FF2B5EF4-FFF2-40B4-BE49-F238E27FC236}">
-                <a16:creationId xmlns:a16="http://schemas.microsoft.com/office/drawing/2014/main" id="{664F9C8D-F63D-3003-7448-4AF0999FC352}"/>
-              </a:ext>
-            </a:extLst>
-          </p:cNvPr>
-          <p:cNvSpPr/>
-          <p:nvPr/>
-        </p:nvSpPr>
-        <p:spPr>
-          <a:xfrm>
-            <a:off x="3940864" y="3147012"/>
-            <a:ext cx="4688785" cy="1048596"/>
-          </a:xfrm>
-          <a:prstGeom prst="ellipse">
-            <a:avLst/>
-          </a:prstGeom>
-          <a:noFill/>
-          <a:ln>
-            <a:solidFill>
-              <a:srgbClr val="FF0000"/>
-            </a:solidFill>
-          </a:ln>
-        </p:spPr>
-        <p:style>
-          <a:lnRef idx="2">
-            <a:schemeClr val="accent1">
-              <a:shade val="50000"/>
-            </a:schemeClr>
-          </a:lnRef>
-          <a:fillRef idx="1">
-            <a:schemeClr val="accent1"/>
-          </a:fillRef>
-          <a:effectRef idx="0">
-            <a:schemeClr val="accent1"/>
-          </a:effectRef>
-          <a:fontRef idx="minor">
-            <a:schemeClr val="lt1"/>
-          </a:fontRef>
-        </p:style>
-        <p:txBody>
-          <a:bodyPr rtlCol="0" anchor="ctr"/>
-          <a:lstStyle/>
-          <a:p>
-            <a:pPr algn="ctr"/>
-            <a:endParaRPr lang="en-CH"/>
-          </a:p>
-        </p:txBody>
-      </p:sp>
-    </p:spTree>
-    <p:extLst>
-      <p:ext uri="{BB962C8B-B14F-4D97-AF65-F5344CB8AC3E}">
-        <p14:creationId xmlns:p14="http://schemas.microsoft.com/office/powerpoint/2010/main" val="1294885153"/>
       </p:ext>
     </p:extLst>
   </p:cSld>
